--- a/data/G3/1.pptx
+++ b/data/G3/1.pptx
@@ -259,7 +259,7 @@
           <a:p>
             <a:fld id="{EDAB301C-3655-3547-95D0-A243383B3ED3}" type="datetimeFigureOut">
               <a:rPr kumimoji="1" lang="zh-CN" altLang="en-US" smtClean="0"/>
-              <a:t>2020/4/7</a:t>
+              <a:t>2020/5/2</a:t>
             </a:fld>
             <a:endParaRPr kumimoji="1" lang="zh-CN" altLang="en-US"/>
           </a:p>
@@ -457,7 +457,7 @@
           <a:p>
             <a:fld id="{EDAB301C-3655-3547-95D0-A243383B3ED3}" type="datetimeFigureOut">
               <a:rPr kumimoji="1" lang="zh-CN" altLang="en-US" smtClean="0"/>
-              <a:t>2020/4/7</a:t>
+              <a:t>2020/5/2</a:t>
             </a:fld>
             <a:endParaRPr kumimoji="1" lang="zh-CN" altLang="en-US"/>
           </a:p>
@@ -665,7 +665,7 @@
           <a:p>
             <a:fld id="{EDAB301C-3655-3547-95D0-A243383B3ED3}" type="datetimeFigureOut">
               <a:rPr kumimoji="1" lang="zh-CN" altLang="en-US" smtClean="0"/>
-              <a:t>2020/4/7</a:t>
+              <a:t>2020/5/2</a:t>
             </a:fld>
             <a:endParaRPr kumimoji="1" lang="zh-CN" altLang="en-US"/>
           </a:p>
@@ -863,7 +863,7 @@
           <a:p>
             <a:fld id="{EDAB301C-3655-3547-95D0-A243383B3ED3}" type="datetimeFigureOut">
               <a:rPr kumimoji="1" lang="zh-CN" altLang="en-US" smtClean="0"/>
-              <a:t>2020/4/7</a:t>
+              <a:t>2020/5/2</a:t>
             </a:fld>
             <a:endParaRPr kumimoji="1" lang="zh-CN" altLang="en-US"/>
           </a:p>
@@ -1138,7 +1138,7 @@
           <a:p>
             <a:fld id="{EDAB301C-3655-3547-95D0-A243383B3ED3}" type="datetimeFigureOut">
               <a:rPr kumimoji="1" lang="zh-CN" altLang="en-US" smtClean="0"/>
-              <a:t>2020/4/7</a:t>
+              <a:t>2020/5/2</a:t>
             </a:fld>
             <a:endParaRPr kumimoji="1" lang="zh-CN" altLang="en-US"/>
           </a:p>
@@ -1403,7 +1403,7 @@
           <a:p>
             <a:fld id="{EDAB301C-3655-3547-95D0-A243383B3ED3}" type="datetimeFigureOut">
               <a:rPr kumimoji="1" lang="zh-CN" altLang="en-US" smtClean="0"/>
-              <a:t>2020/4/7</a:t>
+              <a:t>2020/5/2</a:t>
             </a:fld>
             <a:endParaRPr kumimoji="1" lang="zh-CN" altLang="en-US"/>
           </a:p>
@@ -1815,7 +1815,7 @@
           <a:p>
             <a:fld id="{EDAB301C-3655-3547-95D0-A243383B3ED3}" type="datetimeFigureOut">
               <a:rPr kumimoji="1" lang="zh-CN" altLang="en-US" smtClean="0"/>
-              <a:t>2020/4/7</a:t>
+              <a:t>2020/5/2</a:t>
             </a:fld>
             <a:endParaRPr kumimoji="1" lang="zh-CN" altLang="en-US"/>
           </a:p>
@@ -1956,7 +1956,7 @@
           <a:p>
             <a:fld id="{EDAB301C-3655-3547-95D0-A243383B3ED3}" type="datetimeFigureOut">
               <a:rPr kumimoji="1" lang="zh-CN" altLang="en-US" smtClean="0"/>
-              <a:t>2020/4/7</a:t>
+              <a:t>2020/5/2</a:t>
             </a:fld>
             <a:endParaRPr kumimoji="1" lang="zh-CN" altLang="en-US"/>
           </a:p>
@@ -2069,7 +2069,7 @@
           <a:p>
             <a:fld id="{EDAB301C-3655-3547-95D0-A243383B3ED3}" type="datetimeFigureOut">
               <a:rPr kumimoji="1" lang="zh-CN" altLang="en-US" smtClean="0"/>
-              <a:t>2020/4/7</a:t>
+              <a:t>2020/5/2</a:t>
             </a:fld>
             <a:endParaRPr kumimoji="1" lang="zh-CN" altLang="en-US"/>
           </a:p>
@@ -2380,7 +2380,7 @@
           <a:p>
             <a:fld id="{EDAB301C-3655-3547-95D0-A243383B3ED3}" type="datetimeFigureOut">
               <a:rPr kumimoji="1" lang="zh-CN" altLang="en-US" smtClean="0"/>
-              <a:t>2020/4/7</a:t>
+              <a:t>2020/5/2</a:t>
             </a:fld>
             <a:endParaRPr kumimoji="1" lang="zh-CN" altLang="en-US"/>
           </a:p>
@@ -2668,7 +2668,7 @@
           <a:p>
             <a:fld id="{EDAB301C-3655-3547-95D0-A243383B3ED3}" type="datetimeFigureOut">
               <a:rPr kumimoji="1" lang="zh-CN" altLang="en-US" smtClean="0"/>
-              <a:t>2020/4/7</a:t>
+              <a:t>2020/5/2</a:t>
             </a:fld>
             <a:endParaRPr kumimoji="1" lang="zh-CN" altLang="en-US"/>
           </a:p>
@@ -2909,7 +2909,7 @@
           <a:p>
             <a:fld id="{EDAB301C-3655-3547-95D0-A243383B3ED3}" type="datetimeFigureOut">
               <a:rPr kumimoji="1" lang="zh-CN" altLang="en-US" smtClean="0"/>
-              <a:t>2020/4/7</a:t>
+              <a:t>2020/5/2</a:t>
             </a:fld>
             <a:endParaRPr kumimoji="1" lang="zh-CN" altLang="en-US"/>
           </a:p>
@@ -3342,10 +3342,10 @@
       </p:grpSpPr>
       <p:sp>
         <p:nvSpPr>
-          <p:cNvPr id="2" name="文本框 1">
-            <a:extLst>
-              <a:ext uri="{FF2B5EF4-FFF2-40B4-BE49-F238E27FC236}">
-                <a16:creationId xmlns:a16="http://schemas.microsoft.com/office/drawing/2014/main" id="{37A95D34-5EB4-FD44-9F81-27DB5EFECEF9}"/>
+          <p:cNvPr id="21" name="文本框 20">
+            <a:extLst>
+              <a:ext uri="{FF2B5EF4-FFF2-40B4-BE49-F238E27FC236}">
+                <a16:creationId xmlns:a16="http://schemas.microsoft.com/office/drawing/2014/main" id="{718B875A-F389-FB49-B4CF-357AA0C1DD4C}"/>
               </a:ext>
             </a:extLst>
           </p:cNvPr>
@@ -3354,7 +3354,7 @@
         </p:nvSpPr>
         <p:spPr>
           <a:xfrm>
-            <a:off x="9417269" y="4866290"/>
+            <a:off x="1975945" y="1839310"/>
             <a:ext cx="415498" cy="369332"/>
           </a:xfrm>
           <a:prstGeom prst="rect">
@@ -3369,18 +3369,19 @@
           <a:lstStyle/>
           <a:p>
             <a:r>
-              <a:rPr kumimoji="1" lang="zh-CN" altLang="en-US" dirty="0"/>
+              <a:rPr lang="zh-CN" altLang="en-US" dirty="0"/>
               <a:t>①</a:t>
             </a:r>
-          </a:p>
-        </p:txBody>
-      </p:sp>
-      <p:sp>
-        <p:nvSpPr>
-          <p:cNvPr id="3" name="文本框 2">
-            <a:extLst>
-              <a:ext uri="{FF2B5EF4-FFF2-40B4-BE49-F238E27FC236}">
-                <a16:creationId xmlns:a16="http://schemas.microsoft.com/office/drawing/2014/main" id="{76305713-CE03-6B4D-89DD-36E0E65DF354}"/>
+            <a:endParaRPr kumimoji="1" lang="zh-CN" altLang="en-US" dirty="0"/>
+          </a:p>
+        </p:txBody>
+      </p:sp>
+      <p:sp>
+        <p:nvSpPr>
+          <p:cNvPr id="23" name="文本框 22">
+            <a:extLst>
+              <a:ext uri="{FF2B5EF4-FFF2-40B4-BE49-F238E27FC236}">
+                <a16:creationId xmlns:a16="http://schemas.microsoft.com/office/drawing/2014/main" id="{5518EE29-101C-3649-BB11-F7761257EBFE}"/>
               </a:ext>
             </a:extLst>
           </p:cNvPr>
@@ -3389,7 +3390,7 @@
         </p:nvSpPr>
         <p:spPr>
           <a:xfrm>
-            <a:off x="10079421" y="1713186"/>
+            <a:off x="725214" y="3121572"/>
             <a:ext cx="415498" cy="369332"/>
           </a:xfrm>
           <a:prstGeom prst="rect">
@@ -3404,18 +3405,19 @@
           <a:lstStyle/>
           <a:p>
             <a:r>
-              <a:rPr kumimoji="1" lang="zh-CN" altLang="en-US" dirty="0"/>
+              <a:rPr lang="zh-CN" altLang="en-US" dirty="0"/>
               <a:t>②</a:t>
             </a:r>
-          </a:p>
-        </p:txBody>
-      </p:sp>
-      <p:sp>
-        <p:nvSpPr>
-          <p:cNvPr id="4" name="文本框 3">
-            <a:extLst>
-              <a:ext uri="{FF2B5EF4-FFF2-40B4-BE49-F238E27FC236}">
-                <a16:creationId xmlns:a16="http://schemas.microsoft.com/office/drawing/2014/main" id="{B78E30BE-93D2-C645-96B1-4CEA660CE71C}"/>
+            <a:endParaRPr kumimoji="1" lang="zh-CN" altLang="en-US" dirty="0"/>
+          </a:p>
+        </p:txBody>
+      </p:sp>
+      <p:sp>
+        <p:nvSpPr>
+          <p:cNvPr id="24" name="文本框 23">
+            <a:extLst>
+              <a:ext uri="{FF2B5EF4-FFF2-40B4-BE49-F238E27FC236}">
+                <a16:creationId xmlns:a16="http://schemas.microsoft.com/office/drawing/2014/main" id="{D60732D4-D700-FD47-9E21-B7E833881A50}"/>
               </a:ext>
             </a:extLst>
           </p:cNvPr>
@@ -3424,7 +3426,7 @@
         </p:nvSpPr>
         <p:spPr>
           <a:xfrm>
-            <a:off x="1345324" y="3867807"/>
+            <a:off x="659694" y="3490904"/>
             <a:ext cx="415498" cy="369332"/>
           </a:xfrm>
           <a:prstGeom prst="rect">
@@ -3439,18 +3441,19 @@
           <a:lstStyle/>
           <a:p>
             <a:r>
-              <a:rPr kumimoji="1" lang="zh-CN" altLang="en-US" dirty="0"/>
+              <a:rPr lang="zh-CN" altLang="en-US" dirty="0"/>
               <a:t>③</a:t>
             </a:r>
-          </a:p>
-        </p:txBody>
-      </p:sp>
-      <p:sp>
-        <p:nvSpPr>
-          <p:cNvPr id="5" name="文本框 4">
-            <a:extLst>
-              <a:ext uri="{FF2B5EF4-FFF2-40B4-BE49-F238E27FC236}">
-                <a16:creationId xmlns:a16="http://schemas.microsoft.com/office/drawing/2014/main" id="{C438B589-C5DD-F942-8FC5-A060692C712C}"/>
+            <a:endParaRPr kumimoji="1" lang="zh-CN" altLang="en-US" dirty="0"/>
+          </a:p>
+        </p:txBody>
+      </p:sp>
+      <p:sp>
+        <p:nvSpPr>
+          <p:cNvPr id="25" name="文本框 24">
+            <a:extLst>
+              <a:ext uri="{FF2B5EF4-FFF2-40B4-BE49-F238E27FC236}">
+                <a16:creationId xmlns:a16="http://schemas.microsoft.com/office/drawing/2014/main" id="{D9585F38-E6E0-ED4E-BD4A-51AAC3AABB20}"/>
               </a:ext>
             </a:extLst>
           </p:cNvPr>
@@ -3459,7 +3462,7 @@
         </p:nvSpPr>
         <p:spPr>
           <a:xfrm>
-            <a:off x="10983310" y="3059668"/>
+            <a:off x="244196" y="388883"/>
             <a:ext cx="415498" cy="369332"/>
           </a:xfrm>
           <a:prstGeom prst="rect">
@@ -3474,18 +3477,19 @@
           <a:lstStyle/>
           <a:p>
             <a:r>
-              <a:rPr kumimoji="1" lang="zh-CN" altLang="en-US" dirty="0"/>
+              <a:rPr lang="zh-CN" altLang="en-US" dirty="0"/>
               <a:t>④</a:t>
             </a:r>
-          </a:p>
-        </p:txBody>
-      </p:sp>
-      <p:sp>
-        <p:nvSpPr>
-          <p:cNvPr id="6" name="文本框 5">
-            <a:extLst>
-              <a:ext uri="{FF2B5EF4-FFF2-40B4-BE49-F238E27FC236}">
-                <a16:creationId xmlns:a16="http://schemas.microsoft.com/office/drawing/2014/main" id="{7140DBCD-9FF0-7F44-9647-A78F060163CF}"/>
+            <a:endParaRPr kumimoji="1" lang="zh-CN" altLang="en-US" dirty="0"/>
+          </a:p>
+        </p:txBody>
+      </p:sp>
+      <p:sp>
+        <p:nvSpPr>
+          <p:cNvPr id="26" name="文本框 25">
+            <a:extLst>
+              <a:ext uri="{FF2B5EF4-FFF2-40B4-BE49-F238E27FC236}">
+                <a16:creationId xmlns:a16="http://schemas.microsoft.com/office/drawing/2014/main" id="{B10894B5-9B94-0A42-93BA-F3E7080F3F79}"/>
               </a:ext>
             </a:extLst>
           </p:cNvPr>
@@ -3494,7 +3498,7 @@
         </p:nvSpPr>
         <p:spPr>
           <a:xfrm>
-            <a:off x="793192" y="2987253"/>
+            <a:off x="10930759" y="3297197"/>
             <a:ext cx="415498" cy="369332"/>
           </a:xfrm>
           <a:prstGeom prst="rect">
@@ -3509,18 +3513,19 @@
           <a:lstStyle/>
           <a:p>
             <a:r>
-              <a:rPr kumimoji="1" lang="zh-CN" altLang="en-US" dirty="0"/>
+              <a:rPr lang="zh-CN" altLang="en-US" dirty="0"/>
               <a:t>⑤</a:t>
             </a:r>
-          </a:p>
-        </p:txBody>
-      </p:sp>
-      <p:sp>
-        <p:nvSpPr>
-          <p:cNvPr id="7" name="文本框 6">
-            <a:extLst>
-              <a:ext uri="{FF2B5EF4-FFF2-40B4-BE49-F238E27FC236}">
-                <a16:creationId xmlns:a16="http://schemas.microsoft.com/office/drawing/2014/main" id="{97B7C71C-2391-7E4E-9CBE-34EBBBA1C1CC}"/>
+            <a:endParaRPr kumimoji="1" lang="zh-CN" altLang="en-US" dirty="0"/>
+          </a:p>
+        </p:txBody>
+      </p:sp>
+      <p:sp>
+        <p:nvSpPr>
+          <p:cNvPr id="27" name="文本框 26">
+            <a:extLst>
+              <a:ext uri="{FF2B5EF4-FFF2-40B4-BE49-F238E27FC236}">
+                <a16:creationId xmlns:a16="http://schemas.microsoft.com/office/drawing/2014/main" id="{3C057FC8-D78F-154E-9564-0E29B85F0412}"/>
               </a:ext>
             </a:extLst>
           </p:cNvPr>
@@ -3529,7 +3534,7 @@
         </p:nvSpPr>
         <p:spPr>
           <a:xfrm>
-            <a:off x="10775561" y="3244334"/>
+            <a:off x="10310648" y="2942897"/>
             <a:ext cx="415498" cy="369332"/>
           </a:xfrm>
           <a:prstGeom prst="rect">
@@ -3544,18 +3549,19 @@
           <a:lstStyle/>
           <a:p>
             <a:r>
-              <a:rPr kumimoji="1" lang="zh-CN" altLang="en-US" dirty="0"/>
+              <a:rPr lang="zh-CN" altLang="en-US" dirty="0"/>
               <a:t>⑥</a:t>
             </a:r>
-          </a:p>
-        </p:txBody>
-      </p:sp>
-      <p:sp>
-        <p:nvSpPr>
-          <p:cNvPr id="8" name="文本框 7">
-            <a:extLst>
-              <a:ext uri="{FF2B5EF4-FFF2-40B4-BE49-F238E27FC236}">
-                <a16:creationId xmlns:a16="http://schemas.microsoft.com/office/drawing/2014/main" id="{84ED2ED5-0092-7142-A058-71C76749DD6F}"/>
+            <a:endParaRPr kumimoji="1" lang="zh-CN" altLang="en-US" dirty="0"/>
+          </a:p>
+        </p:txBody>
+      </p:sp>
+      <p:sp>
+        <p:nvSpPr>
+          <p:cNvPr id="28" name="文本框 27">
+            <a:extLst>
+              <a:ext uri="{FF2B5EF4-FFF2-40B4-BE49-F238E27FC236}">
+                <a16:creationId xmlns:a16="http://schemas.microsoft.com/office/drawing/2014/main" id="{3316D3E2-C6C7-C346-A293-5CFD12E9E14D}"/>
               </a:ext>
             </a:extLst>
           </p:cNvPr>
@@ -3564,7 +3570,7 @@
         </p:nvSpPr>
         <p:spPr>
           <a:xfrm>
-            <a:off x="585443" y="2987253"/>
+            <a:off x="822709" y="3330311"/>
             <a:ext cx="415498" cy="369332"/>
           </a:xfrm>
           <a:prstGeom prst="rect">
@@ -3579,18 +3585,19 @@
           <a:lstStyle/>
           <a:p>
             <a:r>
-              <a:rPr kumimoji="1" lang="zh-CN" altLang="en-US" dirty="0"/>
+              <a:rPr lang="zh-CN" altLang="en-US" dirty="0"/>
               <a:t>⑦</a:t>
             </a:r>
-          </a:p>
-        </p:txBody>
-      </p:sp>
-      <p:sp>
-        <p:nvSpPr>
-          <p:cNvPr id="9" name="文本框 8">
-            <a:extLst>
-              <a:ext uri="{FF2B5EF4-FFF2-40B4-BE49-F238E27FC236}">
-                <a16:creationId xmlns:a16="http://schemas.microsoft.com/office/drawing/2014/main" id="{47EC26B9-9954-F047-ABD6-01BBD29FAB89}"/>
+            <a:endParaRPr kumimoji="1" lang="zh-CN" altLang="en-US" dirty="0"/>
+          </a:p>
+        </p:txBody>
+      </p:sp>
+      <p:sp>
+        <p:nvSpPr>
+          <p:cNvPr id="30" name="文本框 29">
+            <a:extLst>
+              <a:ext uri="{FF2B5EF4-FFF2-40B4-BE49-F238E27FC236}">
+                <a16:creationId xmlns:a16="http://schemas.microsoft.com/office/drawing/2014/main" id="{5DAAC6B4-4530-D64A-8319-80110A7EEB70}"/>
               </a:ext>
             </a:extLst>
           </p:cNvPr>
@@ -3599,7 +3606,7 @@
         </p:nvSpPr>
         <p:spPr>
           <a:xfrm>
-            <a:off x="10912195" y="3534104"/>
+            <a:off x="526196" y="3121572"/>
             <a:ext cx="415498" cy="369332"/>
           </a:xfrm>
           <a:prstGeom prst="rect">
@@ -3614,18 +3621,19 @@
           <a:lstStyle/>
           <a:p>
             <a:r>
-              <a:rPr kumimoji="1" lang="zh-CN" altLang="en-US" dirty="0"/>
+              <a:rPr lang="zh-CN" altLang="en-US" dirty="0"/>
               <a:t>⑧</a:t>
             </a:r>
-          </a:p>
-        </p:txBody>
-      </p:sp>
-      <p:sp>
-        <p:nvSpPr>
-          <p:cNvPr id="10" name="文本框 9">
-            <a:extLst>
-              <a:ext uri="{FF2B5EF4-FFF2-40B4-BE49-F238E27FC236}">
-                <a16:creationId xmlns:a16="http://schemas.microsoft.com/office/drawing/2014/main" id="{EC06DD1E-805D-4047-B3BA-ADD4E066D6DC}"/>
+            <a:endParaRPr kumimoji="1" lang="zh-CN" altLang="en-US" dirty="0"/>
+          </a:p>
+        </p:txBody>
+      </p:sp>
+      <p:sp>
+        <p:nvSpPr>
+          <p:cNvPr id="31" name="文本框 30">
+            <a:extLst>
+              <a:ext uri="{FF2B5EF4-FFF2-40B4-BE49-F238E27FC236}">
+                <a16:creationId xmlns:a16="http://schemas.microsoft.com/office/drawing/2014/main" id="{C6BE9DA4-68C0-6840-AFB4-C99F41206353}"/>
               </a:ext>
             </a:extLst>
           </p:cNvPr>
@@ -3634,7 +3642,7 @@
         </p:nvSpPr>
         <p:spPr>
           <a:xfrm>
-            <a:off x="656558" y="3534104"/>
+            <a:off x="1007214" y="2758231"/>
             <a:ext cx="415498" cy="369332"/>
           </a:xfrm>
           <a:prstGeom prst="rect">
@@ -3649,18 +3657,19 @@
           <a:lstStyle/>
           <a:p>
             <a:r>
-              <a:rPr kumimoji="1" lang="zh-CN" altLang="en-US" dirty="0"/>
+              <a:rPr lang="zh-CN" altLang="en-US" dirty="0"/>
               <a:t>⑨</a:t>
             </a:r>
-          </a:p>
-        </p:txBody>
-      </p:sp>
-      <p:sp>
-        <p:nvSpPr>
-          <p:cNvPr id="11" name="文本框 10">
-            <a:extLst>
-              <a:ext uri="{FF2B5EF4-FFF2-40B4-BE49-F238E27FC236}">
-                <a16:creationId xmlns:a16="http://schemas.microsoft.com/office/drawing/2014/main" id="{1ADCA614-E9DB-D546-A6F3-E30B0AAD488E}"/>
+            <a:endParaRPr kumimoji="1" lang="zh-CN" altLang="en-US" dirty="0"/>
+          </a:p>
+        </p:txBody>
+      </p:sp>
+      <p:sp>
+        <p:nvSpPr>
+          <p:cNvPr id="32" name="文本框 31">
+            <a:extLst>
+              <a:ext uri="{FF2B5EF4-FFF2-40B4-BE49-F238E27FC236}">
+                <a16:creationId xmlns:a16="http://schemas.microsoft.com/office/drawing/2014/main" id="{7BD2824D-FE77-EF4C-9776-19314858902C}"/>
               </a:ext>
             </a:extLst>
           </p:cNvPr>
@@ -3669,7 +3678,7 @@
         </p:nvSpPr>
         <p:spPr>
           <a:xfrm>
-            <a:off x="3668110" y="3342290"/>
+            <a:off x="591716" y="4011790"/>
             <a:ext cx="415498" cy="369332"/>
           </a:xfrm>
           <a:prstGeom prst="rect">
@@ -3684,18 +3693,19 @@
           <a:lstStyle/>
           <a:p>
             <a:r>
-              <a:rPr kumimoji="1" lang="zh-CN" altLang="en-US" dirty="0"/>
+              <a:rPr lang="zh-CN" altLang="en-US" dirty="0"/>
               <a:t>⑩</a:t>
             </a:r>
-          </a:p>
-        </p:txBody>
-      </p:sp>
-      <p:sp>
-        <p:nvSpPr>
-          <p:cNvPr id="12" name="文本框 11">
-            <a:extLst>
-              <a:ext uri="{FF2B5EF4-FFF2-40B4-BE49-F238E27FC236}">
-                <a16:creationId xmlns:a16="http://schemas.microsoft.com/office/drawing/2014/main" id="{46F1B154-C328-0E41-B27A-13B2F83E2EFD}"/>
+            <a:endParaRPr kumimoji="1" lang="zh-CN" altLang="en-US" dirty="0"/>
+          </a:p>
+        </p:txBody>
+      </p:sp>
+      <p:sp>
+        <p:nvSpPr>
+          <p:cNvPr id="33" name="文本框 32">
+            <a:extLst>
+              <a:ext uri="{FF2B5EF4-FFF2-40B4-BE49-F238E27FC236}">
+                <a16:creationId xmlns:a16="http://schemas.microsoft.com/office/drawing/2014/main" id="{ED9F1A84-7C93-C245-8E3D-52228D6DD451}"/>
               </a:ext>
             </a:extLst>
           </p:cNvPr>
@@ -3704,7 +3714,7 @@
         </p:nvSpPr>
         <p:spPr>
           <a:xfrm>
-            <a:off x="793192" y="3294681"/>
+            <a:off x="401173" y="3466831"/>
             <a:ext cx="461986" cy="369332"/>
           </a:xfrm>
           <a:prstGeom prst="rect">
@@ -3719,18 +3729,19 @@
           <a:lstStyle/>
           <a:p>
             <a:r>
-              <a:rPr kumimoji="1" lang="zh-CN" altLang="en-US" dirty="0"/>
+              <a:rPr lang="zh-CN" altLang="en-US" dirty="0"/>
               <a:t>⑪</a:t>
             </a:r>
-          </a:p>
-        </p:txBody>
-      </p:sp>
-      <p:sp>
-        <p:nvSpPr>
-          <p:cNvPr id="14" name="文本框 13">
-            <a:extLst>
-              <a:ext uri="{FF2B5EF4-FFF2-40B4-BE49-F238E27FC236}">
-                <a16:creationId xmlns:a16="http://schemas.microsoft.com/office/drawing/2014/main" id="{F669D9F2-5821-0E4C-833B-D012C1ABD0A7}"/>
+            <a:endParaRPr kumimoji="1" lang="zh-CN" altLang="en-US" dirty="0"/>
+          </a:p>
+        </p:txBody>
+      </p:sp>
+      <p:sp>
+        <p:nvSpPr>
+          <p:cNvPr id="34" name="文本框 33">
+            <a:extLst>
+              <a:ext uri="{FF2B5EF4-FFF2-40B4-BE49-F238E27FC236}">
+                <a16:creationId xmlns:a16="http://schemas.microsoft.com/office/drawing/2014/main" id="{E1445D4D-2FBC-184C-BBA5-7983EB4316A3}"/>
               </a:ext>
             </a:extLst>
           </p:cNvPr>
@@ -3739,7 +3750,7 @@
         </p:nvSpPr>
         <p:spPr>
           <a:xfrm>
-            <a:off x="8471338" y="1860331"/>
+            <a:off x="10079655" y="1123816"/>
             <a:ext cx="461986" cy="369332"/>
           </a:xfrm>
           <a:prstGeom prst="rect">
@@ -3754,18 +3765,19 @@
           <a:lstStyle/>
           <a:p>
             <a:r>
-              <a:rPr kumimoji="1" lang="zh-CN" altLang="en-US" dirty="0"/>
-              <a:t>⑪</a:t>
-            </a:r>
-          </a:p>
-        </p:txBody>
-      </p:sp>
-      <p:sp>
-        <p:nvSpPr>
-          <p:cNvPr id="15" name="文本框 14">
-            <a:extLst>
-              <a:ext uri="{FF2B5EF4-FFF2-40B4-BE49-F238E27FC236}">
-                <a16:creationId xmlns:a16="http://schemas.microsoft.com/office/drawing/2014/main" id="{D9F3146C-AE7D-5346-81D7-3EBB4825686C}"/>
+              <a:rPr lang="zh-CN" altLang="en-US" dirty="0"/>
+              <a:t>⑫</a:t>
+            </a:r>
+            <a:endParaRPr kumimoji="1" lang="zh-CN" altLang="en-US" dirty="0"/>
+          </a:p>
+        </p:txBody>
+      </p:sp>
+      <p:sp>
+        <p:nvSpPr>
+          <p:cNvPr id="35" name="文本框 34">
+            <a:extLst>
+              <a:ext uri="{FF2B5EF4-FFF2-40B4-BE49-F238E27FC236}">
+                <a16:creationId xmlns:a16="http://schemas.microsoft.com/office/drawing/2014/main" id="{C12B285D-6928-8045-9880-69E0B9E22646}"/>
               </a:ext>
             </a:extLst>
           </p:cNvPr>
@@ -3774,7 +3786,7 @@
         </p:nvSpPr>
         <p:spPr>
           <a:xfrm>
-            <a:off x="425565" y="3506358"/>
+            <a:off x="2480441" y="1813769"/>
             <a:ext cx="461986" cy="369332"/>
           </a:xfrm>
           <a:prstGeom prst="rect">
@@ -3789,18 +3801,19 @@
           <a:lstStyle/>
           <a:p>
             <a:r>
-              <a:rPr kumimoji="1" lang="zh-CN" altLang="en-US" dirty="0"/>
-              <a:t>⑫</a:t>
-            </a:r>
-          </a:p>
-        </p:txBody>
-      </p:sp>
-      <p:sp>
-        <p:nvSpPr>
-          <p:cNvPr id="17" name="文本框 16">
-            <a:extLst>
-              <a:ext uri="{FF2B5EF4-FFF2-40B4-BE49-F238E27FC236}">
-                <a16:creationId xmlns:a16="http://schemas.microsoft.com/office/drawing/2014/main" id="{CCFDD464-DFEE-0A49-96C6-44A803FE02C4}"/>
+              <a:rPr lang="zh-CN" altLang="en-US" dirty="0"/>
+              <a:t>⑬</a:t>
+            </a:r>
+            <a:endParaRPr kumimoji="1" lang="zh-CN" altLang="en-US" dirty="0"/>
+          </a:p>
+        </p:txBody>
+      </p:sp>
+      <p:sp>
+        <p:nvSpPr>
+          <p:cNvPr id="36" name="文本框 35">
+            <a:extLst>
+              <a:ext uri="{FF2B5EF4-FFF2-40B4-BE49-F238E27FC236}">
+                <a16:creationId xmlns:a16="http://schemas.microsoft.com/office/drawing/2014/main" id="{2BC93824-F1F3-1446-B07A-0D36BEBE81A6}"/>
               </a:ext>
             </a:extLst>
           </p:cNvPr>
@@ -3809,7 +3822,7 @@
         </p:nvSpPr>
         <p:spPr>
           <a:xfrm>
-            <a:off x="562199" y="3260679"/>
+            <a:off x="11088884" y="3055458"/>
             <a:ext cx="461986" cy="369332"/>
           </a:xfrm>
           <a:prstGeom prst="rect">
@@ -3825,7 +3838,7 @@
           <a:p>
             <a:r>
               <a:rPr lang="zh-CN" altLang="en-US" dirty="0"/>
-              <a:t>⑬</a:t>
+              <a:t>⑭</a:t>
             </a:r>
             <a:endParaRPr kumimoji="1" lang="zh-CN" altLang="en-US" dirty="0"/>
           </a:p>
@@ -3833,10 +3846,10 @@
       </p:sp>
       <p:sp>
         <p:nvSpPr>
-          <p:cNvPr id="18" name="文本框 17">
-            <a:extLst>
-              <a:ext uri="{FF2B5EF4-FFF2-40B4-BE49-F238E27FC236}">
-                <a16:creationId xmlns:a16="http://schemas.microsoft.com/office/drawing/2014/main" id="{B962DC8D-0D52-8845-9680-662B2149B038}"/>
+          <p:cNvPr id="38" name="文本框 37">
+            <a:extLst>
+              <a:ext uri="{FF2B5EF4-FFF2-40B4-BE49-F238E27FC236}">
+                <a16:creationId xmlns:a16="http://schemas.microsoft.com/office/drawing/2014/main" id="{1AD28C63-C2AE-F349-892D-576309286935}"/>
               </a:ext>
             </a:extLst>
           </p:cNvPr>
@@ -3845,7 +3858,7 @@
         </p:nvSpPr>
         <p:spPr>
           <a:xfrm>
-            <a:off x="817819" y="3472200"/>
+            <a:off x="2569439" y="2023976"/>
             <a:ext cx="461986" cy="369332"/>
           </a:xfrm>
           <a:prstGeom prst="rect">
@@ -3861,7 +3874,7 @@
           <a:p>
             <a:r>
               <a:rPr lang="zh-CN" altLang="en-US" dirty="0"/>
-              <a:t>⑭</a:t>
+              <a:t>⑮</a:t>
             </a:r>
             <a:endParaRPr kumimoji="1" lang="zh-CN" altLang="en-US" dirty="0"/>
           </a:p>
@@ -3869,10 +3882,10 @@
       </p:sp>
       <p:sp>
         <p:nvSpPr>
-          <p:cNvPr id="19" name="文本框 18">
-            <a:extLst>
-              <a:ext uri="{FF2B5EF4-FFF2-40B4-BE49-F238E27FC236}">
-                <a16:creationId xmlns:a16="http://schemas.microsoft.com/office/drawing/2014/main" id="{5252BC51-C403-F442-BE35-44B08176D5A6}"/>
+          <p:cNvPr id="39" name="文本框 38">
+            <a:extLst>
+              <a:ext uri="{FF2B5EF4-FFF2-40B4-BE49-F238E27FC236}">
+                <a16:creationId xmlns:a16="http://schemas.microsoft.com/office/drawing/2014/main" id="{A9C0BD25-A0A4-394A-8951-FA5607D952EF}"/>
               </a:ext>
             </a:extLst>
           </p:cNvPr>
@@ -3881,7 +3894,7 @@
         </p:nvSpPr>
         <p:spPr>
           <a:xfrm>
-            <a:off x="313558" y="3198853"/>
+            <a:off x="9880193" y="1782238"/>
             <a:ext cx="461986" cy="369332"/>
           </a:xfrm>
           <a:prstGeom prst="rect">
@@ -3905,10 +3918,10 @@
       </p:sp>
       <p:sp>
         <p:nvSpPr>
-          <p:cNvPr id="20" name="文本框 19">
-            <a:extLst>
-              <a:ext uri="{FF2B5EF4-FFF2-40B4-BE49-F238E27FC236}">
-                <a16:creationId xmlns:a16="http://schemas.microsoft.com/office/drawing/2014/main" id="{251743B9-445A-4C4B-A178-A1F7F34D3B12}"/>
+          <p:cNvPr id="40" name="文本框 39">
+            <a:extLst>
+              <a:ext uri="{FF2B5EF4-FFF2-40B4-BE49-F238E27FC236}">
+                <a16:creationId xmlns:a16="http://schemas.microsoft.com/office/drawing/2014/main" id="{356480A7-D0FF-7840-8427-00ED3FC46F6A}"/>
               </a:ext>
             </a:extLst>
           </p:cNvPr>
@@ -3917,7 +3930,7 @@
         </p:nvSpPr>
         <p:spPr>
           <a:xfrm>
-            <a:off x="11065402" y="3498475"/>
+            <a:off x="502952" y="3627204"/>
             <a:ext cx="461986" cy="369332"/>
           </a:xfrm>
           <a:prstGeom prst="rect">
@@ -3941,10 +3954,10 @@
       </p:sp>
       <p:sp>
         <p:nvSpPr>
-          <p:cNvPr id="22" name="文本框 21">
-            <a:extLst>
-              <a:ext uri="{FF2B5EF4-FFF2-40B4-BE49-F238E27FC236}">
-                <a16:creationId xmlns:a16="http://schemas.microsoft.com/office/drawing/2014/main" id="{2FF8CEAE-782A-424E-846E-C218C5E64D00}"/>
+          <p:cNvPr id="41" name="文本框 40">
+            <a:extLst>
+              <a:ext uri="{FF2B5EF4-FFF2-40B4-BE49-F238E27FC236}">
+                <a16:creationId xmlns:a16="http://schemas.microsoft.com/office/drawing/2014/main" id="{C7FE819B-BE4A-7D4F-9C07-22C85DBFBF8D}"/>
               </a:ext>
             </a:extLst>
           </p:cNvPr>
@@ -3953,7 +3966,7 @@
         </p:nvSpPr>
         <p:spPr>
           <a:xfrm>
-            <a:off x="11062944" y="3718770"/>
+            <a:off x="913091" y="3151636"/>
             <a:ext cx="461986" cy="369332"/>
           </a:xfrm>
           <a:prstGeom prst="rect">
@@ -3969,7 +3982,151 @@
           <a:p>
             <a:r>
               <a:rPr lang="zh-CN" altLang="en-US" dirty="0"/>
+              <a:t>⑱</a:t>
+            </a:r>
+            <a:endParaRPr kumimoji="1" lang="zh-CN" altLang="en-US" dirty="0"/>
+          </a:p>
+        </p:txBody>
+      </p:sp>
+      <p:sp>
+        <p:nvSpPr>
+          <p:cNvPr id="42" name="文本框 41">
+            <a:extLst>
+              <a:ext uri="{FF2B5EF4-FFF2-40B4-BE49-F238E27FC236}">
+                <a16:creationId xmlns:a16="http://schemas.microsoft.com/office/drawing/2014/main" id="{F758558E-2761-1C47-A53B-21F377CB5825}"/>
+              </a:ext>
+            </a:extLst>
+          </p:cNvPr>
+          <p:cNvSpPr txBox="1"/>
+          <p:nvPr/>
+        </p:nvSpPr>
+        <p:spPr>
+          <a:xfrm>
+            <a:off x="3209421" y="1839310"/>
+            <a:ext cx="461986" cy="369332"/>
+          </a:xfrm>
+          <a:prstGeom prst="rect">
+            <a:avLst/>
+          </a:prstGeom>
+          <a:noFill/>
+        </p:spPr>
+        <p:txBody>
+          <a:bodyPr wrap="none" rtlCol="0">
+            <a:spAutoFit/>
+          </a:bodyPr>
+          <a:lstStyle/>
+          <a:p>
+            <a:r>
+              <a:rPr lang="zh-CN" altLang="en-US" dirty="0"/>
               <a:t>⑲</a:t>
+            </a:r>
+            <a:endParaRPr kumimoji="1" lang="zh-CN" altLang="en-US" dirty="0"/>
+          </a:p>
+        </p:txBody>
+      </p:sp>
+      <p:sp>
+        <p:nvSpPr>
+          <p:cNvPr id="43" name="文本框 42">
+            <a:extLst>
+              <a:ext uri="{FF2B5EF4-FFF2-40B4-BE49-F238E27FC236}">
+                <a16:creationId xmlns:a16="http://schemas.microsoft.com/office/drawing/2014/main" id="{2F326144-1F97-3E4A-9393-9F631BF723D1}"/>
+              </a:ext>
+            </a:extLst>
+          </p:cNvPr>
+          <p:cNvSpPr txBox="1"/>
+          <p:nvPr/>
+        </p:nvSpPr>
+        <p:spPr>
+          <a:xfrm>
+            <a:off x="8534400" y="4876800"/>
+            <a:ext cx="461986" cy="369332"/>
+          </a:xfrm>
+          <a:prstGeom prst="rect">
+            <a:avLst/>
+          </a:prstGeom>
+          <a:noFill/>
+        </p:spPr>
+        <p:txBody>
+          <a:bodyPr wrap="none" rtlCol="0">
+            <a:spAutoFit/>
+          </a:bodyPr>
+          <a:lstStyle/>
+          <a:p>
+            <a:r>
+              <a:rPr lang="zh-CN" altLang="en-US" dirty="0"/>
+              <a:t>⑳</a:t>
+            </a:r>
+            <a:endParaRPr kumimoji="1" lang="zh-CN" altLang="en-US" dirty="0"/>
+          </a:p>
+        </p:txBody>
+      </p:sp>
+      <p:sp>
+        <p:nvSpPr>
+          <p:cNvPr id="44" name="文本框 43">
+            <a:extLst>
+              <a:ext uri="{FF2B5EF4-FFF2-40B4-BE49-F238E27FC236}">
+                <a16:creationId xmlns:a16="http://schemas.microsoft.com/office/drawing/2014/main" id="{933C48DF-6A05-F84B-AFB2-CA3BB82C7C7A}"/>
+              </a:ext>
+            </a:extLst>
+          </p:cNvPr>
+          <p:cNvSpPr txBox="1"/>
+          <p:nvPr/>
+        </p:nvSpPr>
+        <p:spPr>
+          <a:xfrm>
+            <a:off x="3573518" y="3240124"/>
+            <a:ext cx="415498" cy="369332"/>
+          </a:xfrm>
+          <a:prstGeom prst="rect">
+            <a:avLst/>
+          </a:prstGeom>
+          <a:noFill/>
+        </p:spPr>
+        <p:txBody>
+          <a:bodyPr wrap="none" rtlCol="0">
+            <a:spAutoFit/>
+          </a:bodyPr>
+          <a:lstStyle/>
+          <a:p>
+            <a:r>
+              <a:rPr lang="zh-CN" altLang="en-US" dirty="0"/>
+              <a:t>㉑</a:t>
+            </a:r>
+            <a:endParaRPr kumimoji="1" lang="zh-CN" altLang="en-US" dirty="0"/>
+          </a:p>
+        </p:txBody>
+      </p:sp>
+      <p:sp>
+        <p:nvSpPr>
+          <p:cNvPr id="45" name="文本框 44">
+            <a:extLst>
+              <a:ext uri="{FF2B5EF4-FFF2-40B4-BE49-F238E27FC236}">
+                <a16:creationId xmlns:a16="http://schemas.microsoft.com/office/drawing/2014/main" id="{E9737FB5-025E-B142-915E-AFA774DE6309}"/>
+              </a:ext>
+            </a:extLst>
+          </p:cNvPr>
+          <p:cNvSpPr txBox="1"/>
+          <p:nvPr/>
+        </p:nvSpPr>
+        <p:spPr>
+          <a:xfrm>
+            <a:off x="10916668" y="2752240"/>
+            <a:ext cx="415498" cy="369332"/>
+          </a:xfrm>
+          <a:prstGeom prst="rect">
+            <a:avLst/>
+          </a:prstGeom>
+          <a:noFill/>
+        </p:spPr>
+        <p:txBody>
+          <a:bodyPr wrap="none" rtlCol="0">
+            <a:spAutoFit/>
+          </a:bodyPr>
+          <a:lstStyle/>
+          <a:p>
+            <a:r>
+              <a:rPr lang="zh-CN" altLang="en-US" dirty="0"/>
+              <a:t>㉓</a:t>
             </a:r>
             <a:endParaRPr kumimoji="1" lang="zh-CN" altLang="en-US" dirty="0"/>
           </a:p>
